--- a/기획서/기획서 v1.3.9/스타듀밸리프로젝트v1.4.0.pptx
+++ b/기획서/기획서 v1.3.9/스타듀밸리프로젝트v1.4.0.pptx
@@ -6106,6 +6106,420 @@
               <a:t>)</a:t>
             </a:r>
           </a:p>
+          <a:p>
+            <a:pPr marL="1657350" lvl="2" indent="-514350">
+              <a:buFont typeface="+mj-lt"/>
+              <a:buAutoNum type="romanUcPeriod"/>
+            </a:pPr>
+            <a:endParaRPr lang="en-US" altLang="ko-KR" dirty="0"/>
+          </a:p>
+          <a:p>
+            <a:pPr marL="1200150" lvl="1" indent="-514350">
+              <a:buFont typeface="+mj-lt"/>
+              <a:buAutoNum type="circleNumDbPlain"/>
+            </a:pPr>
+            <a:r>
+              <a:rPr lang="ko-KR" altLang="en-US" dirty="0"/>
+              <a:t>역할</a:t>
+            </a:r>
+            <a:endParaRPr lang="en-US" altLang="ko-KR" dirty="0"/>
+          </a:p>
+          <a:p>
+            <a:pPr marL="1657350" lvl="2" indent="-514350">
+              <a:buFont typeface="+mj-lt"/>
+              <a:buAutoNum type="romanUcPeriod"/>
+              <a:defRPr/>
+            </a:pPr>
+            <a:r>
+              <a:rPr kumimoji="0" lang="ko-KR" altLang="en-US" b="0" i="0" u="none" strike="noStrike" kern="1200" cap="none" spc="0" normalizeH="0" baseline="0" noProof="0" dirty="0" err="1">
+                <a:ln>
+                  <a:noFill/>
+                </a:ln>
+                <a:solidFill>
+                  <a:prstClr val="black"/>
+                </a:solidFill>
+                <a:effectLst/>
+                <a:uLnTx/>
+                <a:uFillTx/>
+                <a:latin typeface="맑은 고딕" panose="020F0502020204030204"/>
+                <a:ea typeface="맑은 고딕" panose="020B0503020000020004" pitchFamily="50" charset="-127"/>
+                <a:cs typeface="+mn-cs"/>
+              </a:rPr>
+              <a:t>히든</a:t>
+            </a:r>
+            <a:r>
+              <a:rPr kumimoji="0" lang="ko-KR" altLang="en-US" b="0" i="0" u="none" strike="noStrike" kern="1200" cap="none" spc="0" normalizeH="0" baseline="0" noProof="0" dirty="0">
+                <a:ln>
+                  <a:noFill/>
+                </a:ln>
+                <a:solidFill>
+                  <a:prstClr val="black"/>
+                </a:solidFill>
+                <a:effectLst/>
+                <a:uLnTx/>
+                <a:uFillTx/>
+                <a:latin typeface="맑은 고딕" panose="020F0502020204030204"/>
+                <a:ea typeface="맑은 고딕" panose="020B0503020000020004" pitchFamily="50" charset="-127"/>
+                <a:cs typeface="+mn-cs"/>
+              </a:rPr>
+              <a:t> 엔딩 루트</a:t>
+            </a:r>
+            <a:endParaRPr kumimoji="0" lang="en-US" altLang="ko-KR" b="0" i="0" u="none" strike="noStrike" kern="1200" cap="none" spc="0" normalizeH="0" baseline="0" noProof="0" dirty="0">
+              <a:ln>
+                <a:noFill/>
+              </a:ln>
+              <a:solidFill>
+                <a:prstClr val="black"/>
+              </a:solidFill>
+              <a:effectLst/>
+              <a:uLnTx/>
+              <a:uFillTx/>
+              <a:latin typeface="맑은 고딕" panose="020F0502020204030204"/>
+              <a:ea typeface="맑은 고딕" panose="020B0503020000020004" pitchFamily="50" charset="-127"/>
+              <a:cs typeface="+mn-cs"/>
+            </a:endParaRPr>
+          </a:p>
+          <a:p>
+            <a:pPr marL="1943100" lvl="3" indent="-342900">
+              <a:buFont typeface="+mj-lt"/>
+              <a:buAutoNum type="arabicParenR"/>
+              <a:defRPr/>
+            </a:pPr>
+            <a:r>
+              <a:rPr kumimoji="0" lang="ko-KR" altLang="en-US" b="0" i="0" u="none" strike="noStrike" kern="1200" cap="none" spc="0" normalizeH="0" baseline="0" noProof="0" dirty="0">
+                <a:ln>
+                  <a:noFill/>
+                </a:ln>
+                <a:solidFill>
+                  <a:prstClr val="black"/>
+                </a:solidFill>
+                <a:effectLst/>
+                <a:uLnTx/>
+                <a:uFillTx/>
+                <a:latin typeface="맑은 고딕" panose="020F0502020204030204"/>
+                <a:ea typeface="맑은 고딕" panose="020B0503020000020004" pitchFamily="50" charset="-127"/>
+                <a:cs typeface="+mn-cs"/>
+              </a:rPr>
+              <a:t>조건</a:t>
+            </a:r>
+            <a:r>
+              <a:rPr kumimoji="0" lang="en-US" altLang="ko-KR" b="0" i="0" u="none" strike="noStrike" kern="1200" cap="none" spc="0" normalizeH="0" baseline="0" noProof="0" dirty="0">
+                <a:ln>
+                  <a:noFill/>
+                </a:ln>
+                <a:solidFill>
+                  <a:prstClr val="black"/>
+                </a:solidFill>
+                <a:effectLst/>
+                <a:uLnTx/>
+                <a:uFillTx/>
+                <a:latin typeface="맑은 고딕" panose="020F0502020204030204"/>
+                <a:ea typeface="맑은 고딕" panose="020B0503020000020004" pitchFamily="50" charset="-127"/>
+                <a:cs typeface="+mn-cs"/>
+              </a:rPr>
+              <a:t>: </a:t>
+            </a:r>
+            <a:r>
+              <a:rPr kumimoji="0" lang="ko-KR" altLang="en-US" b="1" i="0" u="none" strike="noStrike" kern="1200" cap="none" spc="0" normalizeH="0" baseline="0" noProof="0" dirty="0">
+                <a:ln>
+                  <a:noFill/>
+                </a:ln>
+                <a:solidFill>
+                  <a:prstClr val="black"/>
+                </a:solidFill>
+                <a:effectLst/>
+                <a:uLnTx/>
+                <a:uFillTx/>
+                <a:latin typeface="맑은 고딕" panose="020F0502020204030204"/>
+                <a:ea typeface="맑은 고딕" panose="020B0503020000020004" pitchFamily="50" charset="-127"/>
+                <a:cs typeface="+mn-cs"/>
+              </a:rPr>
+              <a:t>특수 아이템</a:t>
+            </a:r>
+            <a:r>
+              <a:rPr kumimoji="0" lang="ko-KR" altLang="en-US" b="0" i="0" u="none" strike="noStrike" kern="1200" cap="none" spc="0" normalizeH="0" baseline="0" noProof="0" dirty="0">
+                <a:ln>
+                  <a:noFill/>
+                </a:ln>
+                <a:solidFill>
+                  <a:prstClr val="black"/>
+                </a:solidFill>
+                <a:effectLst/>
+                <a:uLnTx/>
+                <a:uFillTx/>
+                <a:latin typeface="맑은 고딕" panose="020F0502020204030204"/>
+                <a:ea typeface="맑은 고딕" panose="020B0503020000020004" pitchFamily="50" charset="-127"/>
+                <a:cs typeface="+mn-cs"/>
+              </a:rPr>
+              <a:t> </a:t>
+            </a:r>
+            <a:r>
+              <a:rPr kumimoji="0" lang="en-US" altLang="ko-KR" sz="1600" b="0" i="0" u="none" strike="noStrike" kern="1200" cap="none" spc="0" normalizeH="0" baseline="0" noProof="0" dirty="0">
+                <a:ln>
+                  <a:noFill/>
+                </a:ln>
+                <a:solidFill>
+                  <a:prstClr val="black"/>
+                </a:solidFill>
+                <a:effectLst/>
+                <a:uLnTx/>
+                <a:uFillTx/>
+                <a:latin typeface="맑은 고딕" panose="020F0502020204030204"/>
+                <a:ea typeface="맑은 고딕" panose="020B0503020000020004" pitchFamily="50" charset="-127"/>
+                <a:cs typeface="+mn-cs"/>
+              </a:rPr>
+              <a:t>(</a:t>
+            </a:r>
+            <a:r>
+              <a:rPr kumimoji="0" lang="ko-KR" altLang="en-US" sz="1600" b="0" i="0" u="none" strike="noStrike" kern="1200" cap="none" spc="0" normalizeH="0" baseline="0" noProof="0" dirty="0">
+                <a:ln>
+                  <a:noFill/>
+                </a:ln>
+                <a:solidFill>
+                  <a:srgbClr val="993300"/>
+                </a:solidFill>
+                <a:effectLst/>
+                <a:uLnTx/>
+                <a:uFillTx/>
+                <a:latin typeface="맑은 고딕" panose="020F0502020204030204"/>
+                <a:ea typeface="맑은 고딕" panose="020B0503020000020004" pitchFamily="50" charset="-127"/>
+                <a:cs typeface="+mn-cs"/>
+              </a:rPr>
+              <a:t>던전 최하층 상자에 </a:t>
+            </a:r>
+            <a:r>
+              <a:rPr kumimoji="0" lang="ko-KR" altLang="en-US" sz="1600" b="0" i="0" u="none" strike="noStrike" kern="1200" cap="none" spc="0" normalizeH="0" baseline="0" noProof="0" dirty="0">
+                <a:ln>
+                  <a:noFill/>
+                </a:ln>
+                <a:solidFill>
+                  <a:prstClr val="black"/>
+                </a:solidFill>
+                <a:effectLst/>
+                <a:uLnTx/>
+                <a:uFillTx/>
+                <a:latin typeface="맑은 고딕" panose="020F0502020204030204"/>
+                <a:ea typeface="맑은 고딕" panose="020B0503020000020004" pitchFamily="50" charset="-127"/>
+                <a:cs typeface="+mn-cs"/>
+              </a:rPr>
+              <a:t>있음</a:t>
+            </a:r>
+            <a:r>
+              <a:rPr kumimoji="0" lang="en-US" altLang="ko-KR" sz="1600" b="0" i="0" u="none" strike="noStrike" kern="1200" cap="none" spc="0" normalizeH="0" baseline="0" noProof="0" dirty="0">
+                <a:ln>
+                  <a:noFill/>
+                </a:ln>
+                <a:solidFill>
+                  <a:prstClr val="black"/>
+                </a:solidFill>
+                <a:effectLst/>
+                <a:uLnTx/>
+                <a:uFillTx/>
+                <a:latin typeface="맑은 고딕" panose="020F0502020204030204"/>
+                <a:ea typeface="맑은 고딕" panose="020B0503020000020004" pitchFamily="50" charset="-127"/>
+                <a:cs typeface="+mn-cs"/>
+              </a:rPr>
+              <a:t>)</a:t>
+            </a:r>
+            <a:r>
+              <a:rPr kumimoji="0" lang="ko-KR" altLang="en-US" b="0" i="0" u="none" strike="noStrike" kern="1200" cap="none" spc="0" normalizeH="0" baseline="0" noProof="0" dirty="0">
+                <a:ln>
+                  <a:noFill/>
+                </a:ln>
+                <a:solidFill>
+                  <a:prstClr val="black"/>
+                </a:solidFill>
+                <a:effectLst/>
+                <a:uLnTx/>
+                <a:uFillTx/>
+                <a:latin typeface="맑은 고딕" panose="020F0502020204030204"/>
+                <a:ea typeface="맑은 고딕" panose="020B0503020000020004" pitchFamily="50" charset="-127"/>
+                <a:cs typeface="+mn-cs"/>
+              </a:rPr>
+              <a:t> 보유 후 마법사와 대화</a:t>
+            </a:r>
+            <a:endParaRPr kumimoji="0" lang="en-US" altLang="ko-KR" b="0" i="0" u="none" strike="noStrike" kern="1200" cap="none" spc="0" normalizeH="0" baseline="0" noProof="0" dirty="0">
+              <a:ln>
+                <a:noFill/>
+              </a:ln>
+              <a:solidFill>
+                <a:prstClr val="black"/>
+              </a:solidFill>
+              <a:effectLst/>
+              <a:uLnTx/>
+              <a:uFillTx/>
+              <a:latin typeface="맑은 고딕" panose="020F0502020204030204"/>
+              <a:ea typeface="맑은 고딕" panose="020B0503020000020004" pitchFamily="50" charset="-127"/>
+              <a:cs typeface="+mn-cs"/>
+            </a:endParaRPr>
+          </a:p>
+          <a:p>
+            <a:pPr marL="1943100" lvl="3" indent="-342900">
+              <a:buFont typeface="+mj-lt"/>
+              <a:buAutoNum type="arabicParenR"/>
+              <a:defRPr/>
+            </a:pPr>
+            <a:r>
+              <a:rPr lang="ko-KR" altLang="en-US" dirty="0">
+                <a:solidFill>
+                  <a:prstClr val="black"/>
+                </a:solidFill>
+                <a:latin typeface="맑은 고딕" panose="020F0502020204030204"/>
+                <a:ea typeface="맑은 고딕" panose="020B0503020000020004" pitchFamily="50" charset="-127"/>
+              </a:rPr>
+              <a:t>내용</a:t>
+            </a:r>
+            <a:r>
+              <a:rPr lang="en-US" altLang="ko-KR" dirty="0">
+                <a:solidFill>
+                  <a:prstClr val="black"/>
+                </a:solidFill>
+                <a:latin typeface="맑은 고딕" panose="020F0502020204030204"/>
+                <a:ea typeface="맑은 고딕" panose="020B0503020000020004" pitchFamily="50" charset="-127"/>
+              </a:rPr>
+              <a:t>: </a:t>
+            </a:r>
+            <a:r>
+              <a:rPr lang="ko-KR" altLang="en-US" dirty="0">
+                <a:solidFill>
+                  <a:prstClr val="black"/>
+                </a:solidFill>
+                <a:latin typeface="맑은 고딕" panose="020F0502020204030204"/>
+                <a:ea typeface="맑은 고딕" panose="020B0503020000020004" pitchFamily="50" charset="-127"/>
+              </a:rPr>
+              <a:t>마법사의 상점에서 마법사와 대화</a:t>
+            </a:r>
+            <a:r>
+              <a:rPr lang="en-US" altLang="ko-KR" dirty="0">
+                <a:solidFill>
+                  <a:prstClr val="black"/>
+                </a:solidFill>
+                <a:latin typeface="맑은 고딕" panose="020F0502020204030204"/>
+                <a:ea typeface="맑은 고딕" panose="020B0503020000020004" pitchFamily="50" charset="-127"/>
+              </a:rPr>
+              <a:t>, </a:t>
+            </a:r>
+            <a:r>
+              <a:rPr lang="ko-KR" altLang="en-US" dirty="0">
+                <a:solidFill>
+                  <a:prstClr val="black"/>
+                </a:solidFill>
+                <a:latin typeface="맑은 고딕" panose="020F0502020204030204"/>
+                <a:ea typeface="맑은 고딕" panose="020B0503020000020004" pitchFamily="50" charset="-127"/>
+              </a:rPr>
+              <a:t>마법사가 아이템을 알아보고 거금을 주고 삼</a:t>
+            </a:r>
+            <a:endParaRPr lang="en-US" altLang="ko-KR" dirty="0">
+              <a:solidFill>
+                <a:prstClr val="black"/>
+              </a:solidFill>
+              <a:latin typeface="맑은 고딕" panose="020F0502020204030204"/>
+              <a:ea typeface="맑은 고딕" panose="020B0503020000020004" pitchFamily="50" charset="-127"/>
+            </a:endParaRPr>
+          </a:p>
+          <a:p>
+            <a:pPr marL="1943100" lvl="3" indent="-342900">
+              <a:buFont typeface="+mj-lt"/>
+              <a:buAutoNum type="arabicParenR"/>
+              <a:defRPr/>
+            </a:pPr>
+            <a:r>
+              <a:rPr lang="ko-KR" altLang="en-US" dirty="0">
+                <a:solidFill>
+                  <a:srgbClr val="993300"/>
+                </a:solidFill>
+                <a:latin typeface="맑은 고딕" panose="020F0502020204030204"/>
+                <a:ea typeface="맑은 고딕" panose="020B0503020000020004" pitchFamily="50" charset="-127"/>
+              </a:rPr>
+              <a:t>저주가 풀린 마법사가 미남으로 변신</a:t>
+            </a:r>
+            <a:r>
+              <a:rPr lang="en-US" altLang="ko-KR" dirty="0">
+                <a:solidFill>
+                  <a:srgbClr val="993300"/>
+                </a:solidFill>
+                <a:latin typeface="맑은 고딕" panose="020F0502020204030204"/>
+                <a:ea typeface="맑은 고딕" panose="020B0503020000020004" pitchFamily="50" charset="-127"/>
+              </a:rPr>
+              <a:t>!</a:t>
+            </a:r>
+          </a:p>
+          <a:p>
+            <a:pPr marL="1943100" lvl="3" indent="-342900">
+              <a:buFont typeface="+mj-lt"/>
+              <a:buAutoNum type="arabicParenR"/>
+              <a:defRPr/>
+            </a:pPr>
+            <a:r>
+              <a:rPr lang="ko-KR" altLang="en-US" dirty="0">
+                <a:solidFill>
+                  <a:srgbClr val="993300"/>
+                </a:solidFill>
+                <a:latin typeface="맑은 고딕" panose="020F0502020204030204"/>
+                <a:ea typeface="맑은 고딕" panose="020B0503020000020004" pitchFamily="50" charset="-127"/>
+              </a:rPr>
+              <a:t>미남 이미지</a:t>
+            </a:r>
+            <a:r>
+              <a:rPr lang="en-US" altLang="ko-KR" dirty="0">
+                <a:solidFill>
+                  <a:srgbClr val="993300"/>
+                </a:solidFill>
+                <a:latin typeface="맑은 고딕" panose="020F0502020204030204"/>
+                <a:ea typeface="맑은 고딕" panose="020B0503020000020004" pitchFamily="50" charset="-127"/>
+              </a:rPr>
+              <a:t>: </a:t>
+            </a:r>
+            <a:r>
+              <a:rPr lang="ko-KR" altLang="en-US" dirty="0">
+                <a:solidFill>
+                  <a:srgbClr val="993300"/>
+                </a:solidFill>
+                <a:latin typeface="맑은 고딕" panose="020F0502020204030204"/>
+                <a:ea typeface="맑은 고딕" panose="020B0503020000020004" pitchFamily="50" charset="-127"/>
+              </a:rPr>
+              <a:t>세바스찬 </a:t>
+            </a:r>
+            <a:r>
+              <a:rPr lang="en-US" altLang="ko-KR" dirty="0">
+                <a:solidFill>
+                  <a:srgbClr val="993300"/>
+                </a:solidFill>
+                <a:latin typeface="맑은 고딕" panose="020F0502020204030204"/>
+                <a:ea typeface="맑은 고딕" panose="020B0503020000020004" pitchFamily="50" charset="-127"/>
+              </a:rPr>
+              <a:t>(Sebastian)</a:t>
+            </a:r>
+          </a:p>
+          <a:p>
+            <a:pPr marL="1943100" lvl="3" indent="-342900">
+              <a:buFont typeface="+mj-lt"/>
+              <a:buAutoNum type="arabicParenR"/>
+              <a:defRPr/>
+            </a:pPr>
+            <a:r>
+              <a:rPr lang="ko-KR" altLang="en-US" b="1" dirty="0">
+                <a:solidFill>
+                  <a:srgbClr val="993300"/>
+                </a:solidFill>
+                <a:latin typeface="맑은 고딕" panose="020F0502020204030204"/>
+                <a:ea typeface="맑은 고딕" panose="020B0503020000020004" pitchFamily="50" charset="-127"/>
+              </a:rPr>
+              <a:t>주인공과의 추가 상호작용의 경우 토의</a:t>
+            </a:r>
+            <a:endParaRPr lang="en-US" altLang="ko-KR" b="1" dirty="0">
+              <a:solidFill>
+                <a:srgbClr val="993300"/>
+              </a:solidFill>
+            </a:endParaRPr>
+          </a:p>
+          <a:p>
+            <a:pPr marL="1200150" lvl="1" indent="-514350">
+              <a:buFont typeface="+mj-lt"/>
+              <a:buAutoNum type="circleNumDbPlain"/>
+            </a:pPr>
+            <a:endParaRPr lang="en-US" altLang="ko-KR" dirty="0"/>
+          </a:p>
         </p:txBody>
       </p:sp>
       <p:pic>
@@ -7222,455 +7636,6 @@
               </a:solidFill>
               <a:latin typeface="맑은 고딕" panose="020F0502020204030204"/>
               <a:ea typeface="맑은 고딕" panose="020B0503020000020004" pitchFamily="50" charset="-127"/>
-            </a:endParaRPr>
-          </a:p>
-          <a:p>
-            <a:pPr marL="1200150" lvl="1" indent="-514350">
-              <a:buFont typeface="+mj-lt"/>
-              <a:buAutoNum type="circleNumDbPlain"/>
-              <a:defRPr/>
-            </a:pPr>
-            <a:r>
-              <a:rPr kumimoji="0" lang="ko-KR" altLang="en-US" b="0" i="0" u="none" strike="noStrike" kern="1200" cap="none" spc="0" normalizeH="0" baseline="0" noProof="0" dirty="0" err="1">
-                <a:ln>
-                  <a:noFill/>
-                </a:ln>
-                <a:solidFill>
-                  <a:prstClr val="black"/>
-                </a:solidFill>
-                <a:effectLst/>
-                <a:uLnTx/>
-                <a:uFillTx/>
-                <a:latin typeface="맑은 고딕" panose="020F0502020204030204"/>
-                <a:ea typeface="맑은 고딕" panose="020B0503020000020004" pitchFamily="50" charset="-127"/>
-                <a:cs typeface="+mn-cs"/>
-              </a:rPr>
-              <a:t>히든</a:t>
-            </a:r>
-            <a:r>
-              <a:rPr kumimoji="0" lang="ko-KR" altLang="en-US" b="0" i="0" u="none" strike="noStrike" kern="1200" cap="none" spc="0" normalizeH="0" baseline="0" noProof="0" dirty="0">
-                <a:ln>
-                  <a:noFill/>
-                </a:ln>
-                <a:solidFill>
-                  <a:prstClr val="black"/>
-                </a:solidFill>
-                <a:effectLst/>
-                <a:uLnTx/>
-                <a:uFillTx/>
-                <a:latin typeface="맑은 고딕" panose="020F0502020204030204"/>
-                <a:ea typeface="맑은 고딕" panose="020B0503020000020004" pitchFamily="50" charset="-127"/>
-                <a:cs typeface="+mn-cs"/>
-              </a:rPr>
-              <a:t> 엔딩 루트</a:t>
-            </a:r>
-            <a:endParaRPr kumimoji="0" lang="en-US" altLang="ko-KR" b="0" i="0" u="none" strike="noStrike" kern="1200" cap="none" spc="0" normalizeH="0" baseline="0" noProof="0" dirty="0">
-              <a:ln>
-                <a:noFill/>
-              </a:ln>
-              <a:solidFill>
-                <a:prstClr val="black"/>
-              </a:solidFill>
-              <a:effectLst/>
-              <a:uLnTx/>
-              <a:uFillTx/>
-              <a:latin typeface="맑은 고딕" panose="020F0502020204030204"/>
-              <a:ea typeface="맑은 고딕" panose="020B0503020000020004" pitchFamily="50" charset="-127"/>
-              <a:cs typeface="+mn-cs"/>
-            </a:endParaRPr>
-          </a:p>
-          <a:p>
-            <a:pPr marL="1657350" marR="0" lvl="2" indent="-514350" algn="l" defTabSz="914400" rtl="0" eaLnBrk="1" fontAlgn="auto" latinLnBrk="1" hangingPunct="1">
-              <a:lnSpc>
-                <a:spcPct val="90000"/>
-              </a:lnSpc>
-              <a:spcBef>
-                <a:spcPts val="500"/>
-              </a:spcBef>
-              <a:spcAft>
-                <a:spcPts val="0"/>
-              </a:spcAft>
-              <a:buClrTx/>
-              <a:buSzTx/>
-              <a:buFont typeface="+mj-lt"/>
-              <a:buAutoNum type="romanUcPeriod"/>
-              <a:tabLst/>
-              <a:defRPr/>
-            </a:pPr>
-            <a:r>
-              <a:rPr kumimoji="0" lang="ko-KR" altLang="en-US" sz="2000" b="0" i="0" u="none" strike="noStrike" kern="1200" cap="none" spc="0" normalizeH="0" baseline="0" noProof="0" dirty="0">
-                <a:ln>
-                  <a:noFill/>
-                </a:ln>
-                <a:solidFill>
-                  <a:prstClr val="black"/>
-                </a:solidFill>
-                <a:effectLst/>
-                <a:uLnTx/>
-                <a:uFillTx/>
-                <a:latin typeface="맑은 고딕" panose="020F0502020204030204"/>
-                <a:ea typeface="맑은 고딕" panose="020B0503020000020004" pitchFamily="50" charset="-127"/>
-                <a:cs typeface="+mn-cs"/>
-              </a:rPr>
-              <a:t>조건</a:t>
-            </a:r>
-            <a:r>
-              <a:rPr kumimoji="0" lang="en-US" altLang="ko-KR" sz="2000" b="0" i="0" u="none" strike="noStrike" kern="1200" cap="none" spc="0" normalizeH="0" baseline="0" noProof="0" dirty="0">
-                <a:ln>
-                  <a:noFill/>
-                </a:ln>
-                <a:solidFill>
-                  <a:prstClr val="black"/>
-                </a:solidFill>
-                <a:effectLst/>
-                <a:uLnTx/>
-                <a:uFillTx/>
-                <a:latin typeface="맑은 고딕" panose="020F0502020204030204"/>
-                <a:ea typeface="맑은 고딕" panose="020B0503020000020004" pitchFamily="50" charset="-127"/>
-                <a:cs typeface="+mn-cs"/>
-              </a:rPr>
-              <a:t>: </a:t>
-            </a:r>
-            <a:r>
-              <a:rPr kumimoji="0" lang="ko-KR" altLang="en-US" sz="2000" b="1" i="0" u="none" strike="noStrike" kern="1200" cap="none" spc="0" normalizeH="0" baseline="0" noProof="0" dirty="0">
-                <a:ln>
-                  <a:noFill/>
-                </a:ln>
-                <a:solidFill>
-                  <a:prstClr val="black"/>
-                </a:solidFill>
-                <a:effectLst/>
-                <a:uLnTx/>
-                <a:uFillTx/>
-                <a:latin typeface="맑은 고딕" panose="020F0502020204030204"/>
-                <a:ea typeface="맑은 고딕" panose="020B0503020000020004" pitchFamily="50" charset="-127"/>
-                <a:cs typeface="+mn-cs"/>
-              </a:rPr>
-              <a:t>특수 아이템</a:t>
-            </a:r>
-            <a:r>
-              <a:rPr kumimoji="0" lang="ko-KR" altLang="en-US" sz="2000" b="0" i="0" u="none" strike="noStrike" kern="1200" cap="none" spc="0" normalizeH="0" baseline="0" noProof="0" dirty="0">
-                <a:ln>
-                  <a:noFill/>
-                </a:ln>
-                <a:solidFill>
-                  <a:prstClr val="black"/>
-                </a:solidFill>
-                <a:effectLst/>
-                <a:uLnTx/>
-                <a:uFillTx/>
-                <a:latin typeface="맑은 고딕" panose="020F0502020204030204"/>
-                <a:ea typeface="맑은 고딕" panose="020B0503020000020004" pitchFamily="50" charset="-127"/>
-                <a:cs typeface="+mn-cs"/>
-              </a:rPr>
-              <a:t> </a:t>
-            </a:r>
-            <a:r>
-              <a:rPr kumimoji="0" lang="en-US" altLang="ko-KR" sz="1800" b="0" i="0" u="none" strike="noStrike" kern="1200" cap="none" spc="0" normalizeH="0" baseline="0" noProof="0" dirty="0">
-                <a:ln>
-                  <a:noFill/>
-                </a:ln>
-                <a:solidFill>
-                  <a:prstClr val="black"/>
-                </a:solidFill>
-                <a:effectLst/>
-                <a:uLnTx/>
-                <a:uFillTx/>
-                <a:latin typeface="맑은 고딕" panose="020F0502020204030204"/>
-                <a:ea typeface="맑은 고딕" panose="020B0503020000020004" pitchFamily="50" charset="-127"/>
-                <a:cs typeface="+mn-cs"/>
-              </a:rPr>
-              <a:t>(</a:t>
-            </a:r>
-            <a:r>
-              <a:rPr kumimoji="0" lang="ko-KR" altLang="en-US" sz="1800" b="0" i="0" u="none" strike="noStrike" kern="1200" cap="none" spc="0" normalizeH="0" baseline="0" noProof="0" dirty="0">
-                <a:ln>
-                  <a:noFill/>
-                </a:ln>
-                <a:solidFill>
-                  <a:srgbClr val="993300"/>
-                </a:solidFill>
-                <a:effectLst/>
-                <a:uLnTx/>
-                <a:uFillTx/>
-                <a:latin typeface="맑은 고딕" panose="020F0502020204030204"/>
-                <a:ea typeface="맑은 고딕" panose="020B0503020000020004" pitchFamily="50" charset="-127"/>
-                <a:cs typeface="+mn-cs"/>
-              </a:rPr>
-              <a:t>던전 최하층 상자에 </a:t>
-            </a:r>
-            <a:r>
-              <a:rPr kumimoji="0" lang="ko-KR" altLang="en-US" sz="1800" b="0" i="0" u="none" strike="noStrike" kern="1200" cap="none" spc="0" normalizeH="0" baseline="0" noProof="0" dirty="0">
-                <a:ln>
-                  <a:noFill/>
-                </a:ln>
-                <a:solidFill>
-                  <a:prstClr val="black"/>
-                </a:solidFill>
-                <a:effectLst/>
-                <a:uLnTx/>
-                <a:uFillTx/>
-                <a:latin typeface="맑은 고딕" panose="020F0502020204030204"/>
-                <a:ea typeface="맑은 고딕" panose="020B0503020000020004" pitchFamily="50" charset="-127"/>
-                <a:cs typeface="+mn-cs"/>
-              </a:rPr>
-              <a:t>있음</a:t>
-            </a:r>
-            <a:r>
-              <a:rPr kumimoji="0" lang="en-US" altLang="ko-KR" sz="1800" b="0" i="0" u="none" strike="noStrike" kern="1200" cap="none" spc="0" normalizeH="0" baseline="0" noProof="0" dirty="0">
-                <a:ln>
-                  <a:noFill/>
-                </a:ln>
-                <a:solidFill>
-                  <a:prstClr val="black"/>
-                </a:solidFill>
-                <a:effectLst/>
-                <a:uLnTx/>
-                <a:uFillTx/>
-                <a:latin typeface="맑은 고딕" panose="020F0502020204030204"/>
-                <a:ea typeface="맑은 고딕" panose="020B0503020000020004" pitchFamily="50" charset="-127"/>
-                <a:cs typeface="+mn-cs"/>
-              </a:rPr>
-              <a:t>)</a:t>
-            </a:r>
-            <a:r>
-              <a:rPr kumimoji="0" lang="ko-KR" altLang="en-US" sz="2000" b="0" i="0" u="none" strike="noStrike" kern="1200" cap="none" spc="0" normalizeH="0" baseline="0" noProof="0" dirty="0">
-                <a:ln>
-                  <a:noFill/>
-                </a:ln>
-                <a:solidFill>
-                  <a:prstClr val="black"/>
-                </a:solidFill>
-                <a:effectLst/>
-                <a:uLnTx/>
-                <a:uFillTx/>
-                <a:latin typeface="맑은 고딕" panose="020F0502020204030204"/>
-                <a:ea typeface="맑은 고딕" panose="020B0503020000020004" pitchFamily="50" charset="-127"/>
-                <a:cs typeface="+mn-cs"/>
-              </a:rPr>
-              <a:t> 보유 후 마법사와 대화</a:t>
-            </a:r>
-            <a:endParaRPr kumimoji="0" lang="en-US" altLang="ko-KR" sz="2000" b="0" i="0" u="none" strike="noStrike" kern="1200" cap="none" spc="0" normalizeH="0" baseline="0" noProof="0" dirty="0">
-              <a:ln>
-                <a:noFill/>
-              </a:ln>
-              <a:solidFill>
-                <a:prstClr val="black"/>
-              </a:solidFill>
-              <a:effectLst/>
-              <a:uLnTx/>
-              <a:uFillTx/>
-              <a:latin typeface="맑은 고딕" panose="020F0502020204030204"/>
-              <a:ea typeface="맑은 고딕" panose="020B0503020000020004" pitchFamily="50" charset="-127"/>
-              <a:cs typeface="+mn-cs"/>
-            </a:endParaRPr>
-          </a:p>
-          <a:p>
-            <a:pPr marL="1657350" marR="0" lvl="2" indent="-514350" algn="l" defTabSz="914400" rtl="0" eaLnBrk="1" fontAlgn="auto" latinLnBrk="1" hangingPunct="1">
-              <a:lnSpc>
-                <a:spcPct val="90000"/>
-              </a:lnSpc>
-              <a:spcBef>
-                <a:spcPts val="500"/>
-              </a:spcBef>
-              <a:spcAft>
-                <a:spcPts val="0"/>
-              </a:spcAft>
-              <a:buClrTx/>
-              <a:buSzTx/>
-              <a:buFont typeface="+mj-lt"/>
-              <a:buAutoNum type="romanUcPeriod"/>
-              <a:tabLst/>
-              <a:defRPr/>
-            </a:pPr>
-            <a:r>
-              <a:rPr lang="ko-KR" altLang="en-US" dirty="0">
-                <a:solidFill>
-                  <a:prstClr val="black"/>
-                </a:solidFill>
-                <a:latin typeface="맑은 고딕" panose="020F0502020204030204"/>
-                <a:ea typeface="맑은 고딕" panose="020B0503020000020004" pitchFamily="50" charset="-127"/>
-              </a:rPr>
-              <a:t>내용</a:t>
-            </a:r>
-            <a:r>
-              <a:rPr lang="en-US" altLang="ko-KR" dirty="0">
-                <a:solidFill>
-                  <a:prstClr val="black"/>
-                </a:solidFill>
-                <a:latin typeface="맑은 고딕" panose="020F0502020204030204"/>
-                <a:ea typeface="맑은 고딕" panose="020B0503020000020004" pitchFamily="50" charset="-127"/>
-              </a:rPr>
-              <a:t>: </a:t>
-            </a:r>
-            <a:r>
-              <a:rPr lang="ko-KR" altLang="en-US" dirty="0">
-                <a:solidFill>
-                  <a:prstClr val="black"/>
-                </a:solidFill>
-                <a:latin typeface="맑은 고딕" panose="020F0502020204030204"/>
-                <a:ea typeface="맑은 고딕" panose="020B0503020000020004" pitchFamily="50" charset="-127"/>
-              </a:rPr>
-              <a:t>마법사의 상점에서 마법사와 대화</a:t>
-            </a:r>
-            <a:r>
-              <a:rPr lang="en-US" altLang="ko-KR" dirty="0">
-                <a:solidFill>
-                  <a:prstClr val="black"/>
-                </a:solidFill>
-                <a:latin typeface="맑은 고딕" panose="020F0502020204030204"/>
-                <a:ea typeface="맑은 고딕" panose="020B0503020000020004" pitchFamily="50" charset="-127"/>
-              </a:rPr>
-              <a:t>, </a:t>
-            </a:r>
-            <a:r>
-              <a:rPr lang="ko-KR" altLang="en-US" dirty="0">
-                <a:solidFill>
-                  <a:prstClr val="black"/>
-                </a:solidFill>
-                <a:latin typeface="맑은 고딕" panose="020F0502020204030204"/>
-                <a:ea typeface="맑은 고딕" panose="020B0503020000020004" pitchFamily="50" charset="-127"/>
-              </a:rPr>
-              <a:t>마법사가 아이템을 알아보고 거금을 주고 삼</a:t>
-            </a:r>
-            <a:endParaRPr lang="en-US" altLang="ko-KR" dirty="0">
-              <a:solidFill>
-                <a:prstClr val="black"/>
-              </a:solidFill>
-              <a:latin typeface="맑은 고딕" panose="020F0502020204030204"/>
-              <a:ea typeface="맑은 고딕" panose="020B0503020000020004" pitchFamily="50" charset="-127"/>
-            </a:endParaRPr>
-          </a:p>
-          <a:p>
-            <a:pPr marL="1657350" marR="0" lvl="2" indent="-514350" algn="l" defTabSz="914400" rtl="0" eaLnBrk="1" fontAlgn="auto" latinLnBrk="1" hangingPunct="1">
-              <a:lnSpc>
-                <a:spcPct val="90000"/>
-              </a:lnSpc>
-              <a:spcBef>
-                <a:spcPts val="500"/>
-              </a:spcBef>
-              <a:spcAft>
-                <a:spcPts val="0"/>
-              </a:spcAft>
-              <a:buClrTx/>
-              <a:buSzTx/>
-              <a:buFont typeface="+mj-lt"/>
-              <a:buAutoNum type="romanUcPeriod"/>
-              <a:tabLst/>
-              <a:defRPr/>
-            </a:pPr>
-            <a:r>
-              <a:rPr lang="ko-KR" altLang="en-US" dirty="0">
-                <a:solidFill>
-                  <a:srgbClr val="993300"/>
-                </a:solidFill>
-                <a:latin typeface="맑은 고딕" panose="020F0502020204030204"/>
-                <a:ea typeface="맑은 고딕" panose="020B0503020000020004" pitchFamily="50" charset="-127"/>
-              </a:rPr>
-              <a:t>저주가 풀린 마법사가 미남으로 변신</a:t>
-            </a:r>
-            <a:r>
-              <a:rPr lang="en-US" altLang="ko-KR" dirty="0">
-                <a:solidFill>
-                  <a:srgbClr val="993300"/>
-                </a:solidFill>
-                <a:latin typeface="맑은 고딕" panose="020F0502020204030204"/>
-                <a:ea typeface="맑은 고딕" panose="020B0503020000020004" pitchFamily="50" charset="-127"/>
-              </a:rPr>
-              <a:t>!</a:t>
-            </a:r>
-          </a:p>
-          <a:p>
-            <a:pPr marL="1657350" marR="0" lvl="2" indent="-514350" algn="l" defTabSz="914400" rtl="0" eaLnBrk="1" fontAlgn="auto" latinLnBrk="1" hangingPunct="1">
-              <a:lnSpc>
-                <a:spcPct val="90000"/>
-              </a:lnSpc>
-              <a:spcBef>
-                <a:spcPts val="500"/>
-              </a:spcBef>
-              <a:spcAft>
-                <a:spcPts val="0"/>
-              </a:spcAft>
-              <a:buClrTx/>
-              <a:buSzTx/>
-              <a:buFont typeface="+mj-lt"/>
-              <a:buAutoNum type="romanUcPeriod"/>
-              <a:tabLst/>
-              <a:defRPr/>
-            </a:pPr>
-            <a:r>
-              <a:rPr lang="ko-KR" altLang="en-US" dirty="0">
-                <a:solidFill>
-                  <a:srgbClr val="993300"/>
-                </a:solidFill>
-                <a:latin typeface="맑은 고딕" panose="020F0502020204030204"/>
-                <a:ea typeface="맑은 고딕" panose="020B0503020000020004" pitchFamily="50" charset="-127"/>
-              </a:rPr>
-              <a:t>미남 이미지</a:t>
-            </a:r>
-            <a:r>
-              <a:rPr lang="en-US" altLang="ko-KR" dirty="0">
-                <a:solidFill>
-                  <a:srgbClr val="993300"/>
-                </a:solidFill>
-                <a:latin typeface="맑은 고딕" panose="020F0502020204030204"/>
-                <a:ea typeface="맑은 고딕" panose="020B0503020000020004" pitchFamily="50" charset="-127"/>
-              </a:rPr>
-              <a:t>: </a:t>
-            </a:r>
-            <a:r>
-              <a:rPr lang="ko-KR" altLang="en-US" dirty="0">
-                <a:solidFill>
-                  <a:srgbClr val="993300"/>
-                </a:solidFill>
-                <a:latin typeface="맑은 고딕" panose="020F0502020204030204"/>
-                <a:ea typeface="맑은 고딕" panose="020B0503020000020004" pitchFamily="50" charset="-127"/>
-              </a:rPr>
-              <a:t>세바스찬 </a:t>
-            </a:r>
-            <a:r>
-              <a:rPr lang="en-US" altLang="ko-KR" dirty="0">
-                <a:solidFill>
-                  <a:srgbClr val="993300"/>
-                </a:solidFill>
-                <a:latin typeface="맑은 고딕" panose="020F0502020204030204"/>
-                <a:ea typeface="맑은 고딕" panose="020B0503020000020004" pitchFamily="50" charset="-127"/>
-              </a:rPr>
-              <a:t>(Sebastian)</a:t>
-            </a:r>
-          </a:p>
-          <a:p>
-            <a:pPr marL="1657350" marR="0" lvl="2" indent="-514350" algn="l" defTabSz="914400" rtl="0" eaLnBrk="1" fontAlgn="auto" latinLnBrk="1" hangingPunct="1">
-              <a:lnSpc>
-                <a:spcPct val="90000"/>
-              </a:lnSpc>
-              <a:spcBef>
-                <a:spcPts val="500"/>
-              </a:spcBef>
-              <a:spcAft>
-                <a:spcPts val="0"/>
-              </a:spcAft>
-              <a:buClrTx/>
-              <a:buSzTx/>
-              <a:buFont typeface="+mj-lt"/>
-              <a:buAutoNum type="romanUcPeriod"/>
-              <a:tabLst/>
-              <a:defRPr/>
-            </a:pPr>
-            <a:r>
-              <a:rPr lang="ko-KR" altLang="en-US" b="1" dirty="0">
-                <a:solidFill>
-                  <a:srgbClr val="993300"/>
-                </a:solidFill>
-                <a:latin typeface="맑은 고딕" panose="020F0502020204030204"/>
-                <a:ea typeface="맑은 고딕" panose="020B0503020000020004" pitchFamily="50" charset="-127"/>
-              </a:rPr>
-              <a:t>주인공과의 추가 상호작용의 경우 토의</a:t>
-            </a:r>
-            <a:endParaRPr lang="en-US" altLang="ko-KR" b="1" dirty="0">
-              <a:solidFill>
-                <a:srgbClr val="993300"/>
-              </a:solidFill>
             </a:endParaRPr>
           </a:p>
           <a:p>
@@ -20381,14 +20346,14 @@
           <p:nvPr>
             <p:extLst>
               <p:ext uri="{D42A27DB-BD31-4B8C-83A1-F6EECF244321}">
-                <p14:modId xmlns:p14="http://schemas.microsoft.com/office/powerpoint/2010/main" val="759847624"/>
+                <p14:modId xmlns:p14="http://schemas.microsoft.com/office/powerpoint/2010/main" val="2302976909"/>
               </p:ext>
             </p:extLst>
           </p:nvPr>
         </p:nvGraphicFramePr>
         <p:xfrm>
           <a:off x="340929" y="1008187"/>
-          <a:ext cx="18549303" cy="5776200"/>
+          <a:ext cx="18549303" cy="6068860"/>
         </p:xfrm>
         <a:graphic>
           <a:graphicData uri="http://schemas.openxmlformats.org/drawingml/2006/table">
@@ -27831,6 +27796,236 @@
                         </a:rPr>
                         <a:t>소로 변경</a:t>
                       </a:r>
+                      <a:endParaRPr lang="en-US" altLang="ko-KR" sz="1200" b="0" kern="1200" spc="-70" dirty="0">
+                        <a:ln>
+                          <a:solidFill>
+                            <a:schemeClr val="bg1">
+                              <a:alpha val="0"/>
+                            </a:schemeClr>
+                          </a:solidFill>
+                        </a:ln>
+                        <a:solidFill>
+                          <a:schemeClr val="tx1">
+                            <a:lumMod val="85000"/>
+                            <a:lumOff val="15000"/>
+                          </a:schemeClr>
+                        </a:solidFill>
+                        <a:latin typeface="+mn-ea"/>
+                        <a:ea typeface="+mn-ea"/>
+                        <a:cs typeface="+mn-cs"/>
+                        <a:sym typeface="Wingdings" panose="05000000000000000000" pitchFamily="2" charset="2"/>
+                      </a:endParaRPr>
+                    </a:p>
+                    <a:p>
+                      <a:pPr marL="0" marR="0" lvl="0" indent="0" algn="l" defTabSz="914400" rtl="0" eaLnBrk="1" fontAlgn="base" latinLnBrk="0" hangingPunct="1">
+                        <a:lnSpc>
+                          <a:spcPct val="100000"/>
+                        </a:lnSpc>
+                        <a:spcBef>
+                          <a:spcPct val="0"/>
+                        </a:spcBef>
+                        <a:spcAft>
+                          <a:spcPct val="0"/>
+                        </a:spcAft>
+                        <a:buClrTx/>
+                        <a:buSzTx/>
+                        <a:buFont typeface="Arial" pitchFamily="34" charset="0"/>
+                        <a:buChar char="•"/>
+                        <a:tabLst/>
+                        <a:defRPr/>
+                      </a:pPr>
+                      <a:r>
+                        <a:rPr lang="en-US" altLang="ko-KR" sz="1200" b="0" kern="1200" spc="-70" dirty="0">
+                          <a:ln>
+                            <a:solidFill>
+                              <a:schemeClr val="bg1">
+                                <a:alpha val="0"/>
+                              </a:schemeClr>
+                            </a:solidFill>
+                          </a:ln>
+                          <a:solidFill>
+                            <a:schemeClr val="tx1">
+                              <a:lumMod val="85000"/>
+                              <a:lumOff val="15000"/>
+                            </a:schemeClr>
+                          </a:solidFill>
+                          <a:latin typeface="+mn-ea"/>
+                          <a:ea typeface="+mn-ea"/>
+                          <a:cs typeface="+mn-cs"/>
+                          <a:sym typeface="Wingdings" panose="05000000000000000000" pitchFamily="2" charset="2"/>
+                        </a:rPr>
+                        <a:t> </a:t>
+                      </a:r>
+                      <a:r>
+                        <a:rPr lang="ko-KR" altLang="en-US" sz="1200" b="0" kern="1200" spc="-70" dirty="0" err="1">
+                          <a:ln>
+                            <a:solidFill>
+                              <a:schemeClr val="bg1">
+                                <a:alpha val="0"/>
+                              </a:schemeClr>
+                            </a:solidFill>
+                          </a:ln>
+                          <a:solidFill>
+                            <a:schemeClr val="tx1">
+                              <a:lumMod val="85000"/>
+                              <a:lumOff val="15000"/>
+                            </a:schemeClr>
+                          </a:solidFill>
+                          <a:latin typeface="+mn-ea"/>
+                          <a:ea typeface="+mn-ea"/>
+                          <a:cs typeface="+mn-cs"/>
+                          <a:sym typeface="Wingdings" panose="05000000000000000000" pitchFamily="2" charset="2"/>
+                        </a:rPr>
+                        <a:t>히든</a:t>
+                      </a:r>
+                      <a:r>
+                        <a:rPr lang="ko-KR" altLang="en-US" sz="1200" b="0" kern="1200" spc="-70" dirty="0">
+                          <a:ln>
+                            <a:solidFill>
+                              <a:schemeClr val="bg1">
+                                <a:alpha val="0"/>
+                              </a:schemeClr>
+                            </a:solidFill>
+                          </a:ln>
+                          <a:solidFill>
+                            <a:schemeClr val="tx1">
+                              <a:lumMod val="85000"/>
+                              <a:lumOff val="15000"/>
+                            </a:schemeClr>
+                          </a:solidFill>
+                          <a:latin typeface="+mn-ea"/>
+                          <a:ea typeface="+mn-ea"/>
+                          <a:cs typeface="+mn-cs"/>
+                          <a:sym typeface="Wingdings" panose="05000000000000000000" pitchFamily="2" charset="2"/>
+                        </a:rPr>
+                        <a:t> 엔딩 루트 </a:t>
+                      </a:r>
+                      <a:r>
+                        <a:rPr lang="en-US" altLang="ko-KR" sz="1200" b="0" kern="1200" spc="-70" dirty="0">
+                          <a:ln>
+                            <a:solidFill>
+                              <a:schemeClr val="bg1">
+                                <a:alpha val="0"/>
+                              </a:schemeClr>
+                            </a:solidFill>
+                          </a:ln>
+                          <a:solidFill>
+                            <a:schemeClr val="tx1">
+                              <a:lumMod val="85000"/>
+                              <a:lumOff val="15000"/>
+                            </a:schemeClr>
+                          </a:solidFill>
+                          <a:latin typeface="+mn-ea"/>
+                          <a:ea typeface="+mn-ea"/>
+                          <a:cs typeface="+mn-cs"/>
+                          <a:sym typeface="Wingdings" panose="05000000000000000000" pitchFamily="2" charset="2"/>
+                        </a:rPr>
+                        <a:t> </a:t>
+                      </a:r>
+                      <a:r>
+                        <a:rPr lang="ko-KR" altLang="en-US" sz="1200" b="0" kern="1200" spc="-70" dirty="0">
+                          <a:ln>
+                            <a:solidFill>
+                              <a:schemeClr val="bg1">
+                                <a:alpha val="0"/>
+                              </a:schemeClr>
+                            </a:solidFill>
+                          </a:ln>
+                          <a:solidFill>
+                            <a:schemeClr val="tx1">
+                              <a:lumMod val="85000"/>
+                              <a:lumOff val="15000"/>
+                            </a:schemeClr>
+                          </a:solidFill>
+                          <a:latin typeface="+mn-ea"/>
+                          <a:ea typeface="+mn-ea"/>
+                          <a:cs typeface="+mn-cs"/>
+                          <a:sym typeface="Wingdings" panose="05000000000000000000" pitchFamily="2" charset="2"/>
+                        </a:rPr>
+                        <a:t>세바스찬 하위  항목으로 이동</a:t>
+                      </a:r>
+                      <a:endParaRPr lang="en-US" altLang="ko-KR" sz="1200" b="0" kern="1200" spc="-70" dirty="0">
+                        <a:ln>
+                          <a:solidFill>
+                            <a:schemeClr val="bg1">
+                              <a:alpha val="0"/>
+                            </a:schemeClr>
+                          </a:solidFill>
+                        </a:ln>
+                        <a:solidFill>
+                          <a:schemeClr val="tx1">
+                            <a:lumMod val="85000"/>
+                            <a:lumOff val="15000"/>
+                          </a:schemeClr>
+                        </a:solidFill>
+                        <a:latin typeface="+mn-ea"/>
+                        <a:ea typeface="+mn-ea"/>
+                        <a:cs typeface="+mn-cs"/>
+                        <a:sym typeface="Wingdings" panose="05000000000000000000" pitchFamily="2" charset="2"/>
+                      </a:endParaRPr>
+                    </a:p>
+                    <a:p>
+                      <a:pPr marL="0" marR="0" lvl="0" indent="0" algn="l" defTabSz="914400" rtl="0" eaLnBrk="1" fontAlgn="base" latinLnBrk="0" hangingPunct="1">
+                        <a:lnSpc>
+                          <a:spcPct val="100000"/>
+                        </a:lnSpc>
+                        <a:spcBef>
+                          <a:spcPct val="0"/>
+                        </a:spcBef>
+                        <a:spcAft>
+                          <a:spcPct val="0"/>
+                        </a:spcAft>
+                        <a:buClrTx/>
+                        <a:buSzTx/>
+                        <a:buFont typeface="Arial" pitchFamily="34" charset="0"/>
+                        <a:buChar char="•"/>
+                        <a:tabLst/>
+                        <a:defRPr/>
+                      </a:pPr>
+                      <a:r>
+                        <a:rPr lang="en-US" altLang="ko-KR" sz="1200" b="0" kern="1200" spc="-70" dirty="0">
+                          <a:ln>
+                            <a:solidFill>
+                              <a:schemeClr val="bg1">
+                                <a:alpha val="0"/>
+                              </a:schemeClr>
+                            </a:solidFill>
+                          </a:ln>
+                          <a:solidFill>
+                            <a:schemeClr val="tx1">
+                              <a:lumMod val="85000"/>
+                              <a:lumOff val="15000"/>
+                            </a:schemeClr>
+                          </a:solidFill>
+                          <a:latin typeface="+mn-ea"/>
+                          <a:ea typeface="+mn-ea"/>
+                          <a:cs typeface="+mn-cs"/>
+                          <a:sym typeface="Wingdings" panose="05000000000000000000" pitchFamily="2" charset="2"/>
+                        </a:rPr>
+                        <a:t> </a:t>
+                      </a:r>
+                      <a:r>
+                        <a:rPr lang="ko-KR" altLang="en-US" sz="1200" b="0" kern="1200" spc="-70" dirty="0">
+                          <a:ln>
+                            <a:solidFill>
+                              <a:schemeClr val="bg1">
+                                <a:alpha val="0"/>
+                              </a:schemeClr>
+                            </a:solidFill>
+                          </a:ln>
+                          <a:solidFill>
+                            <a:schemeClr val="tx1">
+                              <a:lumMod val="85000"/>
+                              <a:lumOff val="15000"/>
+                            </a:schemeClr>
+                          </a:solidFill>
+                          <a:latin typeface="+mn-ea"/>
+                          <a:ea typeface="+mn-ea"/>
+                          <a:cs typeface="+mn-cs"/>
+                          <a:sym typeface="Wingdings" panose="05000000000000000000" pitchFamily="2" charset="2"/>
+                        </a:rPr>
+                        <a:t>용광로 이용 제작 아이템 추가</a:t>
+                      </a:r>
                       <a:endParaRPr lang="ko-KR" altLang="en-US" sz="1200" b="0" kern="1200" spc="-70" dirty="0">
                         <a:ln>
                           <a:solidFill>
@@ -27927,7 +28122,7 @@
                           <a:ea typeface="+mn-ea"/>
                           <a:cs typeface="+mn-cs"/>
                         </a:rPr>
-                        <a:t>– NPC - </a:t>
+                        <a:t>– NPC – </a:t>
                       </a:r>
                       <a:r>
                         <a:rPr lang="ko-KR" altLang="en-US" sz="1200" b="0" kern="1200" spc="-70" dirty="0">
@@ -27949,6 +28144,206 @@
                           <a:cs typeface="+mn-cs"/>
                         </a:rPr>
                         <a:t>할아버지</a:t>
+                      </a:r>
+                      <a:endParaRPr lang="en-US" altLang="ko-KR" sz="1200" b="0" kern="1200" spc="-70" dirty="0">
+                        <a:ln>
+                          <a:solidFill>
+                            <a:schemeClr val="bg1">
+                              <a:alpha val="0"/>
+                            </a:schemeClr>
+                          </a:solidFill>
+                        </a:ln>
+                        <a:solidFill>
+                          <a:schemeClr val="tx1">
+                            <a:lumMod val="85000"/>
+                            <a:lumOff val="15000"/>
+                          </a:schemeClr>
+                        </a:solidFill>
+                        <a:latin typeface="+mn-ea"/>
+                        <a:ea typeface="+mn-ea"/>
+                        <a:cs typeface="+mn-cs"/>
+                      </a:endParaRPr>
+                    </a:p>
+                    <a:p>
+                      <a:pPr marL="0" marR="0" lvl="0" indent="0" algn="ctr" defTabSz="914400" rtl="0" eaLnBrk="1" fontAlgn="base" latinLnBrk="0" hangingPunct="1">
+                        <a:lnSpc>
+                          <a:spcPct val="100000"/>
+                        </a:lnSpc>
+                        <a:spcBef>
+                          <a:spcPct val="0"/>
+                        </a:spcBef>
+                        <a:spcAft>
+                          <a:spcPct val="0"/>
+                        </a:spcAft>
+                        <a:buClrTx/>
+                        <a:buSzTx/>
+                        <a:buFont typeface="Arial" pitchFamily="34" charset="0"/>
+                        <a:buNone/>
+                        <a:tabLst/>
+                        <a:defRPr/>
+                      </a:pPr>
+                      <a:r>
+                        <a:rPr lang="ko-KR" altLang="en-US" sz="1200" b="0" kern="1200" spc="-70" dirty="0">
+                          <a:ln>
+                            <a:solidFill>
+                              <a:schemeClr val="bg1">
+                                <a:alpha val="0"/>
+                              </a:schemeClr>
+                            </a:solidFill>
+                          </a:ln>
+                          <a:solidFill>
+                            <a:schemeClr val="tx1">
+                              <a:lumMod val="85000"/>
+                              <a:lumOff val="15000"/>
+                            </a:schemeClr>
+                          </a:solidFill>
+                          <a:latin typeface="+mn-ea"/>
+                          <a:ea typeface="+mn-ea"/>
+                          <a:cs typeface="+mn-cs"/>
+                        </a:rPr>
+                        <a:t>시나리오 </a:t>
+                      </a:r>
+                      <a:r>
+                        <a:rPr lang="en-US" altLang="ko-KR" sz="1200" b="0" kern="1200" spc="-70" dirty="0">
+                          <a:ln>
+                            <a:solidFill>
+                              <a:schemeClr val="bg1">
+                                <a:alpha val="0"/>
+                              </a:schemeClr>
+                            </a:solidFill>
+                          </a:ln>
+                          <a:solidFill>
+                            <a:schemeClr val="tx1">
+                              <a:lumMod val="85000"/>
+                              <a:lumOff val="15000"/>
+                            </a:schemeClr>
+                          </a:solidFill>
+                          <a:latin typeface="+mn-ea"/>
+                          <a:ea typeface="+mn-ea"/>
+                          <a:cs typeface="+mn-cs"/>
+                        </a:rPr>
+                        <a:t>– NPC – </a:t>
+                      </a:r>
+                      <a:r>
+                        <a:rPr lang="ko-KR" altLang="en-US" sz="1200" b="0" kern="1200" spc="-70" dirty="0">
+                          <a:ln>
+                            <a:solidFill>
+                              <a:schemeClr val="bg1">
+                                <a:alpha val="0"/>
+                              </a:schemeClr>
+                            </a:solidFill>
+                          </a:ln>
+                          <a:solidFill>
+                            <a:schemeClr val="tx1">
+                              <a:lumMod val="85000"/>
+                              <a:lumOff val="15000"/>
+                            </a:schemeClr>
+                          </a:solidFill>
+                          <a:latin typeface="+mn-ea"/>
+                          <a:ea typeface="+mn-ea"/>
+                          <a:cs typeface="+mn-cs"/>
+                        </a:rPr>
+                        <a:t>세바스찬</a:t>
+                      </a:r>
+                      <a:endParaRPr lang="en-US" altLang="ko-KR" sz="1200" b="0" kern="1200" spc="-70" dirty="0">
+                        <a:ln>
+                          <a:solidFill>
+                            <a:schemeClr val="bg1">
+                              <a:alpha val="0"/>
+                            </a:schemeClr>
+                          </a:solidFill>
+                        </a:ln>
+                        <a:solidFill>
+                          <a:schemeClr val="tx1">
+                            <a:lumMod val="85000"/>
+                            <a:lumOff val="15000"/>
+                          </a:schemeClr>
+                        </a:solidFill>
+                        <a:latin typeface="+mn-ea"/>
+                        <a:ea typeface="+mn-ea"/>
+                        <a:cs typeface="+mn-cs"/>
+                      </a:endParaRPr>
+                    </a:p>
+                    <a:p>
+                      <a:pPr marL="0" marR="0" lvl="0" indent="0" algn="ctr" defTabSz="914400" rtl="0" eaLnBrk="1" fontAlgn="base" latinLnBrk="0" hangingPunct="1">
+                        <a:lnSpc>
+                          <a:spcPct val="100000"/>
+                        </a:lnSpc>
+                        <a:spcBef>
+                          <a:spcPct val="0"/>
+                        </a:spcBef>
+                        <a:spcAft>
+                          <a:spcPct val="0"/>
+                        </a:spcAft>
+                        <a:buClrTx/>
+                        <a:buSzTx/>
+                        <a:buFont typeface="Arial" pitchFamily="34" charset="0"/>
+                        <a:buNone/>
+                        <a:tabLst/>
+                        <a:defRPr/>
+                      </a:pPr>
+                      <a:r>
+                        <a:rPr lang="ko-KR" altLang="en-US" sz="1200" b="0" kern="1200" spc="-70" dirty="0">
+                          <a:ln>
+                            <a:solidFill>
+                              <a:schemeClr val="bg1">
+                                <a:alpha val="0"/>
+                              </a:schemeClr>
+                            </a:solidFill>
+                          </a:ln>
+                          <a:solidFill>
+                            <a:schemeClr val="tx1">
+                              <a:lumMod val="85000"/>
+                              <a:lumOff val="15000"/>
+                            </a:schemeClr>
+                          </a:solidFill>
+                          <a:latin typeface="+mn-ea"/>
+                          <a:ea typeface="+mn-ea"/>
+                          <a:cs typeface="+mn-cs"/>
+                        </a:rPr>
+                        <a:t>컨텐츠 </a:t>
+                      </a:r>
+                      <a:r>
+                        <a:rPr lang="en-US" altLang="ko-KR" sz="1200" b="0" kern="1200" spc="-70" dirty="0">
+                          <a:ln>
+                            <a:solidFill>
+                              <a:schemeClr val="bg1">
+                                <a:alpha val="0"/>
+                              </a:schemeClr>
+                            </a:solidFill>
+                          </a:ln>
+                          <a:solidFill>
+                            <a:schemeClr val="tx1">
+                              <a:lumMod val="85000"/>
+                              <a:lumOff val="15000"/>
+                            </a:schemeClr>
+                          </a:solidFill>
+                          <a:latin typeface="+mn-ea"/>
+                          <a:ea typeface="+mn-ea"/>
+                          <a:cs typeface="+mn-cs"/>
+                        </a:rPr>
+                        <a:t>– </a:t>
+                      </a:r>
+                      <a:r>
+                        <a:rPr lang="ko-KR" altLang="en-US" sz="1200" b="0" kern="1200" spc="-70" dirty="0">
+                          <a:ln>
+                            <a:solidFill>
+                              <a:schemeClr val="bg1">
+                                <a:alpha val="0"/>
+                              </a:schemeClr>
+                            </a:solidFill>
+                          </a:ln>
+                          <a:solidFill>
+                            <a:schemeClr val="tx1">
+                              <a:lumMod val="85000"/>
+                              <a:lumOff val="15000"/>
+                            </a:schemeClr>
+                          </a:solidFill>
+                          <a:latin typeface="+mn-ea"/>
+                          <a:ea typeface="+mn-ea"/>
+                          <a:cs typeface="+mn-cs"/>
+                        </a:rPr>
+                        <a:t>크래프트 </a:t>
                       </a:r>
                       <a:endParaRPr lang="en-US" altLang="ko-KR" sz="1200" b="0" kern="1200" spc="-70" dirty="0">
                         <a:ln>
@@ -32793,20 +33188,6 @@
               </a:rPr>
               <a:t>종</a:t>
             </a:r>
-            <a:endParaRPr lang="en-US" altLang="ko-KR" dirty="0">
-              <a:solidFill>
-                <a:prstClr val="black"/>
-              </a:solidFill>
-              <a:latin typeface="맑은 고딕" panose="020F0502020204030204"/>
-              <a:ea typeface="맑은 고딕" panose="020B0503020000020004" pitchFamily="50" charset="-127"/>
-            </a:endParaRPr>
-          </a:p>
-          <a:p>
-            <a:pPr marL="1657350" lvl="2" indent="-514350">
-              <a:buFont typeface="+mj-lt"/>
-              <a:buAutoNum type="romanUcPeriod"/>
-              <a:defRPr/>
-            </a:pPr>
             <a:endParaRPr kumimoji="0" lang="en-US" altLang="ko-KR" b="0" i="0" u="none" strike="noStrike" kern="1200" cap="none" spc="0" normalizeH="0" baseline="0" noProof="0" dirty="0">
               <a:ln>
                 <a:noFill/>
@@ -33029,20 +33410,6 @@
             </a:endParaRPr>
           </a:p>
           <a:p>
-            <a:pPr marL="1657350" lvl="2" indent="-514350">
-              <a:buFont typeface="+mj-lt"/>
-              <a:buAutoNum type="romanUcPeriod"/>
-              <a:defRPr/>
-            </a:pPr>
-            <a:endParaRPr lang="en-US" altLang="ko-KR" dirty="0">
-              <a:solidFill>
-                <a:prstClr val="black"/>
-              </a:solidFill>
-              <a:latin typeface="맑은 고딕" panose="020F0502020204030204"/>
-              <a:ea typeface="맑은 고딕" panose="020B0503020000020004" pitchFamily="50" charset="-127"/>
-            </a:endParaRPr>
-          </a:p>
-          <a:p>
             <a:pPr marL="1200150" lvl="1" indent="-514350">
               <a:buFont typeface="+mj-lt"/>
               <a:buAutoNum type="circleNumDbPlain"/>
@@ -33117,6 +33484,47 @@
               <a:buAutoNum type="circleNumDbPlain"/>
               <a:defRPr/>
             </a:pPr>
+            <a:r>
+              <a:rPr lang="ko-KR" altLang="en-US" dirty="0">
+                <a:solidFill>
+                  <a:prstClr val="black"/>
+                </a:solidFill>
+                <a:latin typeface="맑은 고딕" panose="020F0502020204030204"/>
+                <a:ea typeface="맑은 고딕" panose="020B0503020000020004" pitchFamily="50" charset="-127"/>
+              </a:rPr>
+              <a:t>용광로</a:t>
+            </a:r>
+            <a:endParaRPr lang="en-US" altLang="ko-KR" dirty="0">
+              <a:solidFill>
+                <a:prstClr val="black"/>
+              </a:solidFill>
+              <a:latin typeface="맑은 고딕" panose="020F0502020204030204"/>
+              <a:ea typeface="맑은 고딕" panose="020B0503020000020004" pitchFamily="50" charset="-127"/>
+            </a:endParaRPr>
+          </a:p>
+          <a:p>
+            <a:pPr marL="1657350" lvl="2" indent="-514350">
+              <a:buFont typeface="+mj-lt"/>
+              <a:buAutoNum type="romanUcPeriod"/>
+              <a:defRPr/>
+            </a:pPr>
+            <a:r>
+              <a:rPr kumimoji="0" lang="ko-KR" altLang="en-US" b="0" i="0" u="none" strike="noStrike" kern="1200" cap="none" spc="0" normalizeH="0" baseline="0" noProof="0" dirty="0">
+                <a:ln>
+                  <a:noFill/>
+                </a:ln>
+                <a:solidFill>
+                  <a:prstClr val="black"/>
+                </a:solidFill>
+                <a:effectLst/>
+                <a:uLnTx/>
+                <a:uFillTx/>
+                <a:latin typeface="맑은 고딕" panose="020F0502020204030204"/>
+                <a:ea typeface="맑은 고딕" panose="020B0503020000020004" pitchFamily="50" charset="-127"/>
+                <a:cs typeface="+mn-cs"/>
+              </a:rPr>
+              <a:t>구리</a:t>
+            </a:r>
             <a:endParaRPr kumimoji="0" lang="en-US" altLang="ko-KR" b="0" i="0" u="none" strike="noStrike" kern="1200" cap="none" spc="0" normalizeH="0" baseline="0" noProof="0" dirty="0">
               <a:ln>
                 <a:noFill/>
@@ -33133,30 +33541,6 @@
             </a:endParaRPr>
           </a:p>
           <a:p>
-            <a:pPr marL="1200150" lvl="1" indent="-514350">
-              <a:buFont typeface="+mj-lt"/>
-              <a:buAutoNum type="circleNumDbPlain"/>
-              <a:defRPr/>
-            </a:pPr>
-            <a:r>
-              <a:rPr lang="ko-KR" altLang="en-US" dirty="0">
-                <a:solidFill>
-                  <a:prstClr val="black"/>
-                </a:solidFill>
-                <a:latin typeface="맑은 고딕" panose="020F0502020204030204"/>
-                <a:ea typeface="맑은 고딕" panose="020B0503020000020004" pitchFamily="50" charset="-127"/>
-              </a:rPr>
-              <a:t>용광로</a:t>
-            </a:r>
-            <a:endParaRPr lang="en-US" altLang="ko-KR" dirty="0">
-              <a:solidFill>
-                <a:prstClr val="black"/>
-              </a:solidFill>
-              <a:latin typeface="맑은 고딕" panose="020F0502020204030204"/>
-              <a:ea typeface="맑은 고딕" panose="020B0503020000020004" pitchFamily="50" charset="-127"/>
-            </a:endParaRPr>
-          </a:p>
-          <a:p>
             <a:pPr marL="1657350" lvl="2" indent="-514350">
               <a:buFont typeface="+mj-lt"/>
               <a:buAutoNum type="romanUcPeriod"/>
@@ -33195,6 +33579,23 @@
                 <a:cs typeface="+mn-cs"/>
               </a:rPr>
               <a:t>	</a:t>
+            </a:r>
+          </a:p>
+          <a:p>
+            <a:pPr marL="1657350" lvl="2" indent="-514350">
+              <a:buFont typeface="+mj-lt"/>
+              <a:buAutoNum type="romanUcPeriod"/>
+              <a:defRPr/>
+            </a:pPr>
+            <a:r>
+              <a:rPr lang="ko-KR" altLang="en-US" dirty="0">
+                <a:solidFill>
+                  <a:prstClr val="black"/>
+                </a:solidFill>
+                <a:latin typeface="맑은 고딕" panose="020F0502020204030204"/>
+                <a:ea typeface="맑은 고딕" panose="020B0503020000020004" pitchFamily="50" charset="-127"/>
+              </a:rPr>
+              <a:t>금</a:t>
             </a:r>
             <a:endParaRPr kumimoji="0" lang="en-US" altLang="ko-KR" b="0" i="0" u="none" strike="noStrike" kern="1200" cap="none" spc="0" normalizeH="0" baseline="0" noProof="0" dirty="0">
               <a:ln>
